--- a/src/map_source/TrialArea_Map.pptx
+++ b/src/map_source/TrialArea_Map.pptx
@@ -7,6 +7,7 @@
   <p:sldIdLst>
     <p:sldId id="256" r:id="rId2"/>
     <p:sldId id="257" r:id="rId3"/>
+    <p:sldId id="258" r:id="rId4"/>
   </p:sldIdLst>
   <p:sldSz cx="12192000" cy="6858000"/>
   <p:notesSz cx="6858000" cy="9144000"/>
@@ -105,6 +106,11 @@
       </a:defRPr>
     </a:lvl9pPr>
   </p:defaultTextStyle>
+  <p:extLst>
+    <p:ext uri="{EFAFB233-063F-42B5-8137-9DF3F51BA10A}">
+      <p15:sldGuideLst xmlns:p15="http://schemas.microsoft.com/office/powerpoint/2012/main"/>
+    </p:ext>
+  </p:extLst>
 </p:presentation>
 </file>
 
@@ -257,7 +263,7 @@
           <a:p>
             <a:fld id="{036B8110-5303-4BF4-A40D-D4ED4CA9D599}" type="datetimeFigureOut">
               <a:rPr lang="en-ID" smtClean="0"/>
-              <a:t>15/01/2024</a:t>
+              <a:t>15/02/2024</a:t>
             </a:fld>
             <a:endParaRPr lang="en-ID"/>
           </a:p>
@@ -457,7 +463,7 @@
           <a:p>
             <a:fld id="{036B8110-5303-4BF4-A40D-D4ED4CA9D599}" type="datetimeFigureOut">
               <a:rPr lang="en-ID" smtClean="0"/>
-              <a:t>15/01/2024</a:t>
+              <a:t>15/02/2024</a:t>
             </a:fld>
             <a:endParaRPr lang="en-ID"/>
           </a:p>
@@ -667,7 +673,7 @@
           <a:p>
             <a:fld id="{036B8110-5303-4BF4-A40D-D4ED4CA9D599}" type="datetimeFigureOut">
               <a:rPr lang="en-ID" smtClean="0"/>
-              <a:t>15/01/2024</a:t>
+              <a:t>15/02/2024</a:t>
             </a:fld>
             <a:endParaRPr lang="en-ID"/>
           </a:p>
@@ -867,7 +873,7 @@
           <a:p>
             <a:fld id="{036B8110-5303-4BF4-A40D-D4ED4CA9D599}" type="datetimeFigureOut">
               <a:rPr lang="en-ID" smtClean="0"/>
-              <a:t>15/01/2024</a:t>
+              <a:t>15/02/2024</a:t>
             </a:fld>
             <a:endParaRPr lang="en-ID"/>
           </a:p>
@@ -1143,7 +1149,7 @@
           <a:p>
             <a:fld id="{036B8110-5303-4BF4-A40D-D4ED4CA9D599}" type="datetimeFigureOut">
               <a:rPr lang="en-ID" smtClean="0"/>
-              <a:t>15/01/2024</a:t>
+              <a:t>15/02/2024</a:t>
             </a:fld>
             <a:endParaRPr lang="en-ID"/>
           </a:p>
@@ -1411,7 +1417,7 @@
           <a:p>
             <a:fld id="{036B8110-5303-4BF4-A40D-D4ED4CA9D599}" type="datetimeFigureOut">
               <a:rPr lang="en-ID" smtClean="0"/>
-              <a:t>15/01/2024</a:t>
+              <a:t>15/02/2024</a:t>
             </a:fld>
             <a:endParaRPr lang="en-ID"/>
           </a:p>
@@ -1826,7 +1832,7 @@
           <a:p>
             <a:fld id="{036B8110-5303-4BF4-A40D-D4ED4CA9D599}" type="datetimeFigureOut">
               <a:rPr lang="en-ID" smtClean="0"/>
-              <a:t>15/01/2024</a:t>
+              <a:t>15/02/2024</a:t>
             </a:fld>
             <a:endParaRPr lang="en-ID"/>
           </a:p>
@@ -1968,7 +1974,7 @@
           <a:p>
             <a:fld id="{036B8110-5303-4BF4-A40D-D4ED4CA9D599}" type="datetimeFigureOut">
               <a:rPr lang="en-ID" smtClean="0"/>
-              <a:t>15/01/2024</a:t>
+              <a:t>15/02/2024</a:t>
             </a:fld>
             <a:endParaRPr lang="en-ID"/>
           </a:p>
@@ -2081,7 +2087,7 @@
           <a:p>
             <a:fld id="{036B8110-5303-4BF4-A40D-D4ED4CA9D599}" type="datetimeFigureOut">
               <a:rPr lang="en-ID" smtClean="0"/>
-              <a:t>15/01/2024</a:t>
+              <a:t>15/02/2024</a:t>
             </a:fld>
             <a:endParaRPr lang="en-ID"/>
           </a:p>
@@ -2394,7 +2400,7 @@
           <a:p>
             <a:fld id="{036B8110-5303-4BF4-A40D-D4ED4CA9D599}" type="datetimeFigureOut">
               <a:rPr lang="en-ID" smtClean="0"/>
-              <a:t>15/01/2024</a:t>
+              <a:t>15/02/2024</a:t>
             </a:fld>
             <a:endParaRPr lang="en-ID"/>
           </a:p>
@@ -2683,7 +2689,7 @@
           <a:p>
             <a:fld id="{036B8110-5303-4BF4-A40D-D4ED4CA9D599}" type="datetimeFigureOut">
               <a:rPr lang="en-ID" smtClean="0"/>
-              <a:t>15/01/2024</a:t>
+              <a:t>15/02/2024</a:t>
             </a:fld>
             <a:endParaRPr lang="en-ID"/>
           </a:p>
@@ -2926,7 +2932,7 @@
           <a:p>
             <a:fld id="{036B8110-5303-4BF4-A40D-D4ED4CA9D599}" type="datetimeFigureOut">
               <a:rPr lang="en-ID" smtClean="0"/>
-              <a:t>15/01/2024</a:t>
+              <a:t>15/02/2024</a:t>
             </a:fld>
             <a:endParaRPr lang="en-ID"/>
           </a:p>
@@ -3719,6 +3725,564 @@
 </p:sld>
 </file>
 
+<file path=ppt/slides/slide3.xml><?xml version="1.0" encoding="utf-8"?>
+<p:sld xmlns:a="http://schemas.openxmlformats.org/drawingml/2006/main" xmlns:r="http://schemas.openxmlformats.org/officeDocument/2006/relationships" xmlns:p="http://schemas.openxmlformats.org/presentationml/2006/main">
+  <p:cSld>
+    <p:spTree>
+      <p:nvGrpSpPr>
+        <p:cNvPr id="1" name=""/>
+        <p:cNvGrpSpPr/>
+        <p:nvPr/>
+      </p:nvGrpSpPr>
+      <p:grpSpPr>
+        <a:xfrm>
+          <a:off x="0" y="0"/>
+          <a:ext cx="0" cy="0"/>
+          <a:chOff x="0" y="0"/>
+          <a:chExt cx="0" cy="0"/>
+        </a:xfrm>
+      </p:grpSpPr>
+      <p:sp>
+        <p:nvSpPr>
+          <p:cNvPr id="4" name="Rectangle 3">
+            <a:extLst>
+              <a:ext uri="{FF2B5EF4-FFF2-40B4-BE49-F238E27FC236}">
+                <a16:creationId xmlns:a16="http://schemas.microsoft.com/office/drawing/2014/main" id="{DC0F7A8A-0D34-B5D0-3C3C-6FB98D31F9AC}"/>
+              </a:ext>
+            </a:extLst>
+          </p:cNvPr>
+          <p:cNvSpPr/>
+          <p:nvPr/>
+        </p:nvSpPr>
+        <p:spPr>
+          <a:xfrm>
+            <a:off x="-74141" y="0"/>
+            <a:ext cx="8229600" cy="6858000"/>
+          </a:xfrm>
+          <a:prstGeom prst="rect">
+            <a:avLst/>
+          </a:prstGeom>
+          <a:solidFill>
+            <a:schemeClr val="tx1"/>
+          </a:solidFill>
+          <a:ln>
+            <a:solidFill>
+              <a:schemeClr val="tx1"/>
+            </a:solidFill>
+          </a:ln>
+        </p:spPr>
+        <p:style>
+          <a:lnRef idx="2">
+            <a:schemeClr val="accent1">
+              <a:shade val="15000"/>
+            </a:schemeClr>
+          </a:lnRef>
+          <a:fillRef idx="1">
+            <a:schemeClr val="accent1"/>
+          </a:fillRef>
+          <a:effectRef idx="0">
+            <a:schemeClr val="accent1"/>
+          </a:effectRef>
+          <a:fontRef idx="minor">
+            <a:schemeClr val="lt1"/>
+          </a:fontRef>
+        </p:style>
+        <p:txBody>
+          <a:bodyPr rtlCol="0" anchor="ctr"/>
+          <a:lstStyle/>
+          <a:p>
+            <a:pPr algn="ctr"/>
+            <a:endParaRPr lang="en-ID"/>
+          </a:p>
+        </p:txBody>
+      </p:sp>
+      <p:sp>
+        <p:nvSpPr>
+          <p:cNvPr id="5" name="Rectangle 4">
+            <a:extLst>
+              <a:ext uri="{FF2B5EF4-FFF2-40B4-BE49-F238E27FC236}">
+                <a16:creationId xmlns:a16="http://schemas.microsoft.com/office/drawing/2014/main" id="{EAA0585C-FF70-1543-4A1F-D99809D763EC}"/>
+              </a:ext>
+            </a:extLst>
+          </p:cNvPr>
+          <p:cNvSpPr/>
+          <p:nvPr/>
+        </p:nvSpPr>
+        <p:spPr>
+          <a:xfrm>
+            <a:off x="-74141" y="0"/>
+            <a:ext cx="5541264" cy="548640"/>
+          </a:xfrm>
+          <a:prstGeom prst="rect">
+            <a:avLst/>
+          </a:prstGeom>
+          <a:solidFill>
+            <a:schemeClr val="bg1"/>
+          </a:solidFill>
+          <a:ln>
+            <a:noFill/>
+          </a:ln>
+        </p:spPr>
+        <p:style>
+          <a:lnRef idx="2">
+            <a:schemeClr val="accent1">
+              <a:shade val="15000"/>
+            </a:schemeClr>
+          </a:lnRef>
+          <a:fillRef idx="1">
+            <a:schemeClr val="accent1"/>
+          </a:fillRef>
+          <a:effectRef idx="0">
+            <a:schemeClr val="accent1"/>
+          </a:effectRef>
+          <a:fontRef idx="minor">
+            <a:schemeClr val="lt1"/>
+          </a:fontRef>
+        </p:style>
+        <p:txBody>
+          <a:bodyPr rtlCol="0" anchor="ctr"/>
+          <a:lstStyle/>
+          <a:p>
+            <a:pPr algn="ctr"/>
+            <a:endParaRPr lang="en-ID"/>
+          </a:p>
+        </p:txBody>
+      </p:sp>
+      <p:sp>
+        <p:nvSpPr>
+          <p:cNvPr id="6" name="Rectangle 5">
+            <a:extLst>
+              <a:ext uri="{FF2B5EF4-FFF2-40B4-BE49-F238E27FC236}">
+                <a16:creationId xmlns:a16="http://schemas.microsoft.com/office/drawing/2014/main" id="{12D63C53-CCD0-0E08-B25C-B11A1448787A}"/>
+              </a:ext>
+            </a:extLst>
+          </p:cNvPr>
+          <p:cNvSpPr/>
+          <p:nvPr/>
+        </p:nvSpPr>
+        <p:spPr>
+          <a:xfrm>
+            <a:off x="1791235" y="1956769"/>
+            <a:ext cx="4389120" cy="877824"/>
+          </a:xfrm>
+          <a:prstGeom prst="rect">
+            <a:avLst/>
+          </a:prstGeom>
+          <a:solidFill>
+            <a:schemeClr val="bg1"/>
+          </a:solidFill>
+          <a:ln>
+            <a:noFill/>
+          </a:ln>
+        </p:spPr>
+        <p:style>
+          <a:lnRef idx="2">
+            <a:schemeClr val="accent1">
+              <a:shade val="15000"/>
+            </a:schemeClr>
+          </a:lnRef>
+          <a:fillRef idx="1">
+            <a:schemeClr val="accent1"/>
+          </a:fillRef>
+          <a:effectRef idx="0">
+            <a:schemeClr val="accent1"/>
+          </a:effectRef>
+          <a:fontRef idx="minor">
+            <a:schemeClr val="lt1"/>
+          </a:fontRef>
+        </p:style>
+        <p:txBody>
+          <a:bodyPr rtlCol="0" anchor="ctr"/>
+          <a:lstStyle/>
+          <a:p>
+            <a:pPr algn="ctr"/>
+            <a:endParaRPr lang="en-ID" dirty="0"/>
+          </a:p>
+        </p:txBody>
+      </p:sp>
+      <p:sp>
+        <p:nvSpPr>
+          <p:cNvPr id="7" name="Rectangle 6">
+            <a:extLst>
+              <a:ext uri="{FF2B5EF4-FFF2-40B4-BE49-F238E27FC236}">
+                <a16:creationId xmlns:a16="http://schemas.microsoft.com/office/drawing/2014/main" id="{0BBD73BF-FBC9-7BDE-1EB3-7BCEAD635CAB}"/>
+              </a:ext>
+            </a:extLst>
+          </p:cNvPr>
+          <p:cNvSpPr/>
+          <p:nvPr/>
+        </p:nvSpPr>
+        <p:spPr>
+          <a:xfrm>
+            <a:off x="-74141" y="4122167"/>
+            <a:ext cx="2907792" cy="1097280"/>
+          </a:xfrm>
+          <a:prstGeom prst="rect">
+            <a:avLst/>
+          </a:prstGeom>
+          <a:solidFill>
+            <a:schemeClr val="bg1"/>
+          </a:solidFill>
+          <a:ln>
+            <a:noFill/>
+          </a:ln>
+        </p:spPr>
+        <p:style>
+          <a:lnRef idx="2">
+            <a:schemeClr val="accent1">
+              <a:shade val="15000"/>
+            </a:schemeClr>
+          </a:lnRef>
+          <a:fillRef idx="1">
+            <a:schemeClr val="accent1"/>
+          </a:fillRef>
+          <a:effectRef idx="0">
+            <a:schemeClr val="accent1"/>
+          </a:effectRef>
+          <a:fontRef idx="minor">
+            <a:schemeClr val="lt1"/>
+          </a:fontRef>
+        </p:style>
+        <p:txBody>
+          <a:bodyPr rtlCol="0" anchor="ctr"/>
+          <a:lstStyle/>
+          <a:p>
+            <a:pPr algn="ctr"/>
+            <a:endParaRPr lang="en-ID"/>
+          </a:p>
+        </p:txBody>
+      </p:sp>
+      <p:sp>
+        <p:nvSpPr>
+          <p:cNvPr id="8" name="Rectangle 7">
+            <a:extLst>
+              <a:ext uri="{FF2B5EF4-FFF2-40B4-BE49-F238E27FC236}">
+                <a16:creationId xmlns:a16="http://schemas.microsoft.com/office/drawing/2014/main" id="{5ECC6C74-1951-AABD-6917-3ED704C119C5}"/>
+              </a:ext>
+            </a:extLst>
+          </p:cNvPr>
+          <p:cNvSpPr/>
+          <p:nvPr/>
+        </p:nvSpPr>
+        <p:spPr>
+          <a:xfrm>
+            <a:off x="5247667" y="4122167"/>
+            <a:ext cx="2907792" cy="1097280"/>
+          </a:xfrm>
+          <a:prstGeom prst="rect">
+            <a:avLst/>
+          </a:prstGeom>
+          <a:solidFill>
+            <a:schemeClr val="bg1"/>
+          </a:solidFill>
+          <a:ln>
+            <a:noFill/>
+          </a:ln>
+        </p:spPr>
+        <p:style>
+          <a:lnRef idx="2">
+            <a:schemeClr val="accent1">
+              <a:shade val="15000"/>
+            </a:schemeClr>
+          </a:lnRef>
+          <a:fillRef idx="1">
+            <a:schemeClr val="accent1"/>
+          </a:fillRef>
+          <a:effectRef idx="0">
+            <a:schemeClr val="accent1"/>
+          </a:effectRef>
+          <a:fontRef idx="minor">
+            <a:schemeClr val="lt1"/>
+          </a:fontRef>
+        </p:style>
+        <p:txBody>
+          <a:bodyPr rtlCol="0" anchor="ctr"/>
+          <a:lstStyle/>
+          <a:p>
+            <a:pPr algn="ctr"/>
+            <a:endParaRPr lang="en-ID"/>
+          </a:p>
+        </p:txBody>
+      </p:sp>
+      <p:sp>
+        <p:nvSpPr>
+          <p:cNvPr id="9" name="Rectangle 8">
+            <a:extLst>
+              <a:ext uri="{FF2B5EF4-FFF2-40B4-BE49-F238E27FC236}">
+                <a16:creationId xmlns:a16="http://schemas.microsoft.com/office/drawing/2014/main" id="{168B91CF-1864-490B-9EB9-16A5B33D512B}"/>
+              </a:ext>
+            </a:extLst>
+          </p:cNvPr>
+          <p:cNvSpPr/>
+          <p:nvPr/>
+        </p:nvSpPr>
+        <p:spPr>
+          <a:xfrm>
+            <a:off x="1371064" y="1551163"/>
+            <a:ext cx="5229462" cy="1689036"/>
+          </a:xfrm>
+          <a:prstGeom prst="rect">
+            <a:avLst/>
+          </a:prstGeom>
+          <a:solidFill>
+            <a:schemeClr val="bg1"/>
+          </a:solidFill>
+          <a:ln>
+            <a:noFill/>
+          </a:ln>
+        </p:spPr>
+        <p:style>
+          <a:lnRef idx="2">
+            <a:schemeClr val="accent1">
+              <a:shade val="15000"/>
+            </a:schemeClr>
+          </a:lnRef>
+          <a:fillRef idx="1">
+            <a:schemeClr val="accent1"/>
+          </a:fillRef>
+          <a:effectRef idx="0">
+            <a:schemeClr val="accent1"/>
+          </a:effectRef>
+          <a:fontRef idx="minor">
+            <a:schemeClr val="lt1"/>
+          </a:fontRef>
+        </p:style>
+        <p:txBody>
+          <a:bodyPr rtlCol="0" anchor="ctr"/>
+          <a:lstStyle/>
+          <a:p>
+            <a:pPr algn="ctr"/>
+            <a:endParaRPr lang="en-ID" dirty="0"/>
+          </a:p>
+        </p:txBody>
+      </p:sp>
+      <p:sp>
+        <p:nvSpPr>
+          <p:cNvPr id="10" name="Rectangle 9">
+            <a:extLst>
+              <a:ext uri="{FF2B5EF4-FFF2-40B4-BE49-F238E27FC236}">
+                <a16:creationId xmlns:a16="http://schemas.microsoft.com/office/drawing/2014/main" id="{1A9BE9EF-7E34-41AC-BA5C-05967EEC5EBB}"/>
+              </a:ext>
+            </a:extLst>
+          </p:cNvPr>
+          <p:cNvSpPr/>
+          <p:nvPr/>
+        </p:nvSpPr>
+        <p:spPr>
+          <a:xfrm>
+            <a:off x="-1924071" y="3645804"/>
+            <a:ext cx="5229462" cy="2072327"/>
+          </a:xfrm>
+          <a:prstGeom prst="rect">
+            <a:avLst/>
+          </a:prstGeom>
+          <a:solidFill>
+            <a:schemeClr val="bg1"/>
+          </a:solidFill>
+          <a:ln>
+            <a:noFill/>
+          </a:ln>
+        </p:spPr>
+        <p:style>
+          <a:lnRef idx="2">
+            <a:schemeClr val="accent1">
+              <a:shade val="15000"/>
+            </a:schemeClr>
+          </a:lnRef>
+          <a:fillRef idx="1">
+            <a:schemeClr val="accent1"/>
+          </a:fillRef>
+          <a:effectRef idx="0">
+            <a:schemeClr val="accent1"/>
+          </a:effectRef>
+          <a:fontRef idx="minor">
+            <a:schemeClr val="lt1"/>
+          </a:fontRef>
+        </p:style>
+        <p:txBody>
+          <a:bodyPr rtlCol="0" anchor="ctr"/>
+          <a:lstStyle/>
+          <a:p>
+            <a:pPr algn="ctr"/>
+            <a:endParaRPr lang="en-ID" dirty="0"/>
+          </a:p>
+        </p:txBody>
+      </p:sp>
+      <p:sp>
+        <p:nvSpPr>
+          <p:cNvPr id="12" name="Rectangle 11">
+            <a:extLst>
+              <a:ext uri="{FF2B5EF4-FFF2-40B4-BE49-F238E27FC236}">
+                <a16:creationId xmlns:a16="http://schemas.microsoft.com/office/drawing/2014/main" id="{10CC05B5-8417-4B48-8454-3BAA6F450076}"/>
+              </a:ext>
+            </a:extLst>
+          </p:cNvPr>
+          <p:cNvSpPr/>
+          <p:nvPr/>
+        </p:nvSpPr>
+        <p:spPr>
+          <a:xfrm>
+            <a:off x="4770271" y="3645804"/>
+            <a:ext cx="5229462" cy="2072327"/>
+          </a:xfrm>
+          <a:prstGeom prst="rect">
+            <a:avLst/>
+          </a:prstGeom>
+          <a:solidFill>
+            <a:schemeClr val="bg1"/>
+          </a:solidFill>
+          <a:ln>
+            <a:noFill/>
+          </a:ln>
+        </p:spPr>
+        <p:style>
+          <a:lnRef idx="2">
+            <a:schemeClr val="accent1">
+              <a:shade val="15000"/>
+            </a:schemeClr>
+          </a:lnRef>
+          <a:fillRef idx="1">
+            <a:schemeClr val="accent1"/>
+          </a:fillRef>
+          <a:effectRef idx="0">
+            <a:schemeClr val="accent1"/>
+          </a:effectRef>
+          <a:fontRef idx="minor">
+            <a:schemeClr val="lt1"/>
+          </a:fontRef>
+        </p:style>
+        <p:txBody>
+          <a:bodyPr rtlCol="0" anchor="ctr"/>
+          <a:lstStyle/>
+          <a:p>
+            <a:pPr algn="ctr"/>
+            <a:endParaRPr lang="en-ID" dirty="0"/>
+          </a:p>
+        </p:txBody>
+      </p:sp>
+      <p:sp>
+        <p:nvSpPr>
+          <p:cNvPr id="13" name="Rectangle 12">
+            <a:extLst>
+              <a:ext uri="{FF2B5EF4-FFF2-40B4-BE49-F238E27FC236}">
+                <a16:creationId xmlns:a16="http://schemas.microsoft.com/office/drawing/2014/main" id="{699BC2B4-A750-4B38-A9B1-4CF745097070}"/>
+              </a:ext>
+            </a:extLst>
+          </p:cNvPr>
+          <p:cNvSpPr/>
+          <p:nvPr/>
+        </p:nvSpPr>
+        <p:spPr>
+          <a:xfrm>
+            <a:off x="-1043940" y="-1019848"/>
+            <a:ext cx="7048809" cy="2072327"/>
+          </a:xfrm>
+          <a:prstGeom prst="rect">
+            <a:avLst/>
+          </a:prstGeom>
+          <a:solidFill>
+            <a:schemeClr val="bg1"/>
+          </a:solidFill>
+          <a:ln>
+            <a:noFill/>
+          </a:ln>
+        </p:spPr>
+        <p:style>
+          <a:lnRef idx="2">
+            <a:schemeClr val="accent1">
+              <a:shade val="15000"/>
+            </a:schemeClr>
+          </a:lnRef>
+          <a:fillRef idx="1">
+            <a:schemeClr val="accent1"/>
+          </a:fillRef>
+          <a:effectRef idx="0">
+            <a:schemeClr val="accent1"/>
+          </a:effectRef>
+          <a:fontRef idx="minor">
+            <a:schemeClr val="lt1"/>
+          </a:fontRef>
+        </p:style>
+        <p:txBody>
+          <a:bodyPr rtlCol="0" anchor="ctr"/>
+          <a:lstStyle/>
+          <a:p>
+            <a:pPr algn="ctr"/>
+            <a:endParaRPr lang="en-ID" dirty="0"/>
+          </a:p>
+        </p:txBody>
+      </p:sp>
+      <p:sp>
+        <p:nvSpPr>
+          <p:cNvPr id="2" name="Frame 1">
+            <a:extLst>
+              <a:ext uri="{FF2B5EF4-FFF2-40B4-BE49-F238E27FC236}">
+                <a16:creationId xmlns:a16="http://schemas.microsoft.com/office/drawing/2014/main" id="{FCBE1D25-6FD9-42E1-9C58-BB5D86D0C6FA}"/>
+              </a:ext>
+            </a:extLst>
+          </p:cNvPr>
+          <p:cNvSpPr/>
+          <p:nvPr/>
+        </p:nvSpPr>
+        <p:spPr>
+          <a:xfrm>
+            <a:off x="-74142" y="0"/>
+            <a:ext cx="8229599" cy="6858000"/>
+          </a:xfrm>
+          <a:prstGeom prst="frame">
+            <a:avLst>
+              <a:gd name="adj1" fmla="val 9833"/>
+            </a:avLst>
+          </a:prstGeom>
+          <a:solidFill>
+            <a:schemeClr val="bg1"/>
+          </a:solidFill>
+          <a:ln>
+            <a:noFill/>
+          </a:ln>
+        </p:spPr>
+        <p:style>
+          <a:lnRef idx="2">
+            <a:schemeClr val="accent1">
+              <a:shade val="50000"/>
+            </a:schemeClr>
+          </a:lnRef>
+          <a:fillRef idx="1">
+            <a:schemeClr val="accent1"/>
+          </a:fillRef>
+          <a:effectRef idx="0">
+            <a:schemeClr val="accent1"/>
+          </a:effectRef>
+          <a:fontRef idx="minor">
+            <a:schemeClr val="lt1"/>
+          </a:fontRef>
+        </p:style>
+        <p:txBody>
+          <a:bodyPr rtlCol="0" anchor="ctr"/>
+          <a:lstStyle/>
+          <a:p>
+            <a:pPr algn="ctr"/>
+            <a:endParaRPr lang="en-ID">
+              <a:solidFill>
+                <a:schemeClr val="tx1"/>
+              </a:solidFill>
+            </a:endParaRPr>
+          </a:p>
+        </p:txBody>
+      </p:sp>
+    </p:spTree>
+    <p:extLst>
+      <p:ext uri="{BB962C8B-B14F-4D97-AF65-F5344CB8AC3E}">
+        <p14:creationId xmlns:p14="http://schemas.microsoft.com/office/powerpoint/2010/main" val="2111839871"/>
+      </p:ext>
+    </p:extLst>
+  </p:cSld>
+  <p:clrMapOvr>
+    <a:masterClrMapping/>
+  </p:clrMapOvr>
+</p:sld>
+</file>
+
 <file path=ppt/theme/theme1.xml><?xml version="1.0" encoding="utf-8"?>
 <a:theme xmlns:a="http://schemas.openxmlformats.org/drawingml/2006/main" name="Office Theme">
   <a:themeElements>
